--- a/images/posts/survey_design/survey design.pptx
+++ b/images/posts/survey_design/survey design.pptx
@@ -131,7 +131,7 @@
   <pc:docChgLst>
     <pc:chgData name="Klajdi Puka" userId="14444a1dce99cdc7" providerId="LiveId" clId="{F084BF42-7DC3-41AE-9EA0-D8DD7FD65F91}"/>
     <pc:docChg chg="undo redo custSel addSld delSld modSld sldOrd">
-      <pc:chgData name="Klajdi Puka" userId="14444a1dce99cdc7" providerId="LiveId" clId="{F084BF42-7DC3-41AE-9EA0-D8DD7FD65F91}" dt="2021-09-18T19:19:58.229" v="431" actId="14100"/>
+      <pc:chgData name="Klajdi Puka" userId="14444a1dce99cdc7" providerId="LiveId" clId="{F084BF42-7DC3-41AE-9EA0-D8DD7FD65F91}" dt="2021-09-18T19:54:58.541" v="434" actId="20577"/>
       <pc:docMkLst>
         <pc:docMk/>
       </pc:docMkLst>
@@ -395,7 +395,7 @@
         </pc:grpChg>
       </pc:sldChg>
       <pc:sldChg chg="addSp delSp modSp add mod modAnim">
-        <pc:chgData name="Klajdi Puka" userId="14444a1dce99cdc7" providerId="LiveId" clId="{F084BF42-7DC3-41AE-9EA0-D8DD7FD65F91}" dt="2021-09-18T01:52:56.554" v="261" actId="1076"/>
+        <pc:chgData name="Klajdi Puka" userId="14444a1dce99cdc7" providerId="LiveId" clId="{F084BF42-7DC3-41AE-9EA0-D8DD7FD65F91}" dt="2021-09-18T19:51:54.740" v="433" actId="1036"/>
         <pc:sldMkLst>
           <pc:docMk/>
           <pc:sldMk cId="1911899649" sldId="261"/>
@@ -585,7 +585,7 @@
           </ac:spMkLst>
         </pc:spChg>
         <pc:spChg chg="mod">
-          <ac:chgData name="Klajdi Puka" userId="14444a1dce99cdc7" providerId="LiveId" clId="{F084BF42-7DC3-41AE-9EA0-D8DD7FD65F91}" dt="2021-09-18T01:52:56.554" v="261" actId="1076"/>
+          <ac:chgData name="Klajdi Puka" userId="14444a1dce99cdc7" providerId="LiveId" clId="{F084BF42-7DC3-41AE-9EA0-D8DD7FD65F91}" dt="2021-09-18T19:51:54.740" v="433" actId="1036"/>
           <ac:spMkLst>
             <pc:docMk/>
             <pc:sldMk cId="1911899649" sldId="261"/>
@@ -886,7 +886,7 @@
         </pc:cxnChg>
       </pc:sldChg>
       <pc:sldChg chg="addSp delSp modSp add mod ord">
-        <pc:chgData name="Klajdi Puka" userId="14444a1dce99cdc7" providerId="LiveId" clId="{F084BF42-7DC3-41AE-9EA0-D8DD7FD65F91}" dt="2021-09-18T19:05:53.214" v="430" actId="1076"/>
+        <pc:chgData name="Klajdi Puka" userId="14444a1dce99cdc7" providerId="LiveId" clId="{F084BF42-7DC3-41AE-9EA0-D8DD7FD65F91}" dt="2021-09-18T19:54:58.541" v="434" actId="20577"/>
         <pc:sldMkLst>
           <pc:docMk/>
           <pc:sldMk cId="4141170274" sldId="265"/>
@@ -932,7 +932,7 @@
           </ac:spMkLst>
         </pc:spChg>
         <pc:spChg chg="mod">
-          <ac:chgData name="Klajdi Puka" userId="14444a1dce99cdc7" providerId="LiveId" clId="{F084BF42-7DC3-41AE-9EA0-D8DD7FD65F91}" dt="2021-09-18T19:05:53.214" v="430" actId="1076"/>
+          <ac:chgData name="Klajdi Puka" userId="14444a1dce99cdc7" providerId="LiveId" clId="{F084BF42-7DC3-41AE-9EA0-D8DD7FD65F91}" dt="2021-09-18T19:54:58.541" v="434" actId="20577"/>
           <ac:spMkLst>
             <pc:docMk/>
             <pc:sldMk cId="4141170274" sldId="265"/>
@@ -6087,7 +6087,7 @@
         </p:nvSpPr>
         <p:spPr>
           <a:xfrm>
-            <a:off x="2873853" y="1798321"/>
+            <a:off x="2883685" y="1808153"/>
             <a:ext cx="6297306" cy="1323439"/>
           </a:xfrm>
           <a:prstGeom prst="rect">
@@ -8634,7 +8634,7 @@
         <p:spPr>
           <a:xfrm>
             <a:off x="3392013" y="2666597"/>
-            <a:ext cx="6297306" cy="1323439"/>
+            <a:ext cx="6297306" cy="1069524"/>
           </a:xfrm>
           <a:prstGeom prst="rect">
             <a:avLst/>
@@ -8655,21 +8655,12 @@
               <a:buChar char="ü"/>
             </a:pPr>
             <a:r>
+              <a:rPr lang="en-US" sz="1400"/>
+              <a:t>Use </a:t>
+            </a:r>
+            <a:r>
               <a:rPr lang="en-US" sz="1400" dirty="0"/>
-              <a:t>Key Points</a:t>
-            </a:r>
-          </a:p>
-          <a:p>
-            <a:pPr marL="285750" indent="-285750">
-              <a:spcAft>
-                <a:spcPts val="300"/>
-              </a:spcAft>
-              <a:buFont typeface="Wingdings" pitchFamily="2" charset="2"/>
-              <a:buChar char="ü"/>
-            </a:pPr>
-            <a:r>
-              <a:rPr lang="en-US" sz="1400" dirty="0"/>
-              <a:t>Use visual cues to make it easy to move across the grid</a:t>
+              <a:t>visual cues to make it easy to move across the grid</a:t>
             </a:r>
           </a:p>
           <a:p>

--- a/images/posts/survey_design/survey design.pptx
+++ b/images/posts/survey_design/survey design.pptx
@@ -131,7 +131,7 @@
   <pc:docChgLst>
     <pc:chgData name="Klajdi Puka" userId="14444a1dce99cdc7" providerId="LiveId" clId="{F084BF42-7DC3-41AE-9EA0-D8DD7FD65F91}"/>
     <pc:docChg chg="undo redo custSel addSld delSld modSld sldOrd">
-      <pc:chgData name="Klajdi Puka" userId="14444a1dce99cdc7" providerId="LiveId" clId="{F084BF42-7DC3-41AE-9EA0-D8DD7FD65F91}" dt="2021-09-18T19:54:58.541" v="434" actId="20577"/>
+      <pc:chgData name="Klajdi Puka" userId="14444a1dce99cdc7" providerId="LiveId" clId="{F084BF42-7DC3-41AE-9EA0-D8DD7FD65F91}" dt="2021-09-18T23:16:52.527" v="435"/>
       <pc:docMkLst>
         <pc:docMk/>
       </pc:docMkLst>
@@ -188,7 +188,7 @@
         </pc:sldMkLst>
       </pc:sldChg>
       <pc:sldChg chg="addSp delSp modSp add mod delAnim">
-        <pc:chgData name="Klajdi Puka" userId="14444a1dce99cdc7" providerId="LiveId" clId="{F084BF42-7DC3-41AE-9EA0-D8DD7FD65F91}" dt="2021-09-18T18:58:23.266" v="335" actId="1076"/>
+        <pc:chgData name="Klajdi Puka" userId="14444a1dce99cdc7" providerId="LiveId" clId="{F084BF42-7DC3-41AE-9EA0-D8DD7FD65F91}" dt="2021-09-18T23:16:52.527" v="435"/>
         <pc:sldMkLst>
           <pc:docMk/>
           <pc:sldMk cId="4243999614" sldId="260"/>
@@ -202,7 +202,7 @@
           </ac:spMkLst>
         </pc:spChg>
         <pc:spChg chg="add mod">
-          <ac:chgData name="Klajdi Puka" userId="14444a1dce99cdc7" providerId="LiveId" clId="{F084BF42-7DC3-41AE-9EA0-D8DD7FD65F91}" dt="2021-09-18T01:45:59.111" v="101" actId="20577"/>
+          <ac:chgData name="Klajdi Puka" userId="14444a1dce99cdc7" providerId="LiveId" clId="{F084BF42-7DC3-41AE-9EA0-D8DD7FD65F91}" dt="2021-09-18T23:16:52.527" v="435"/>
           <ac:spMkLst>
             <pc:docMk/>
             <pc:sldMk cId="4243999614" sldId="260"/>
@@ -5256,37 +5256,31 @@
           <a:p>
             <a:r>
               <a:rPr lang="en-US" sz="1400" dirty="0"/>
-              <a:t>2. To what extent do you agree that your </a:t>
-            </a:r>
-          </a:p>
-          <a:p>
-            <a:r>
-              <a:rPr lang="en-US" sz="1400" dirty="0"/>
-              <a:t>instructors are accessible outside of class? </a:t>
-            </a:r>
-          </a:p>
-          <a:p>
-            <a:pPr marL="574675" indent="-287338">
+              <a:t>2. How accessible or inaccessible are your instructors outside of class?</a:t>
+            </a:r>
+          </a:p>
+          <a:p>
+            <a:pPr marL="633413" indent="-346075">
               <a:buFont typeface="Calibri" pitchFamily="34" charset="0"/>
               <a:buChar char="⃝"/>
             </a:pPr>
             <a:r>
               <a:rPr lang="en-US" sz="1400" dirty="0"/>
-              <a:t>Strongly agree</a:t>
-            </a:r>
-          </a:p>
-          <a:p>
-            <a:pPr marL="574675" indent="-287338">
+              <a:t>Very accessible</a:t>
+            </a:r>
+          </a:p>
+          <a:p>
+            <a:pPr marL="633413" indent="-346075">
               <a:buFont typeface="Calibri" pitchFamily="34" charset="0"/>
               <a:buChar char="⃝"/>
             </a:pPr>
             <a:r>
               <a:rPr lang="en-US" sz="1400" dirty="0"/>
-              <a:t>Agree</a:t>
-            </a:r>
-          </a:p>
-          <a:p>
-            <a:pPr marL="574675" indent="-287338">
+              <a:t>Somewhat accessible</a:t>
+            </a:r>
+          </a:p>
+          <a:p>
+            <a:pPr marL="633413" indent="-346075">
               <a:buFont typeface="Calibri" pitchFamily="34" charset="0"/>
               <a:buChar char="⃝"/>
             </a:pPr>
@@ -5296,27 +5290,24 @@
             </a:r>
           </a:p>
           <a:p>
-            <a:pPr marL="574675" indent="-287338">
+            <a:pPr marL="633413" indent="-346075">
               <a:buFont typeface="Calibri" pitchFamily="34" charset="0"/>
               <a:buChar char="⃝"/>
             </a:pPr>
             <a:r>
               <a:rPr lang="en-US" sz="1400" dirty="0"/>
-              <a:t>Disagree</a:t>
-            </a:r>
-          </a:p>
-          <a:p>
-            <a:pPr marL="574675" indent="-287338">
+              <a:t>Very inaccessible</a:t>
+            </a:r>
+          </a:p>
+          <a:p>
+            <a:pPr marL="633413" indent="-346075">
               <a:buFont typeface="Calibri" pitchFamily="34" charset="0"/>
               <a:buChar char="⃝"/>
             </a:pPr>
             <a:r>
               <a:rPr lang="en-US" sz="1400" dirty="0"/>
-              <a:t>Strongly disagree</a:t>
-            </a:r>
-            <a:endParaRPr lang="en-US" sz="1400" dirty="0">
-              <a:sym typeface="Wingdings 2"/>
-            </a:endParaRPr>
+              <a:t>Somewhat inaccessible</a:t>
+            </a:r>
           </a:p>
         </p:txBody>
       </p:sp>

--- a/images/posts/survey_design/survey design.pptx
+++ b/images/posts/survey_design/survey design.pptx
@@ -8,10 +8,11 @@
     <p:sldId id="256" r:id="rId2"/>
     <p:sldId id="260" r:id="rId3"/>
     <p:sldId id="261" r:id="rId4"/>
-    <p:sldId id="262" r:id="rId5"/>
-    <p:sldId id="263" r:id="rId6"/>
-    <p:sldId id="264" r:id="rId7"/>
-    <p:sldId id="265" r:id="rId8"/>
+    <p:sldId id="266" r:id="rId5"/>
+    <p:sldId id="262" r:id="rId6"/>
+    <p:sldId id="263" r:id="rId7"/>
+    <p:sldId id="264" r:id="rId8"/>
+    <p:sldId id="265" r:id="rId9"/>
   </p:sldIdLst>
   <p:sldSz cx="10799763" cy="7199313"/>
   <p:notesSz cx="6858000" cy="9144000"/>
@@ -131,7 +132,7 @@
   <pc:docChgLst>
     <pc:chgData name="Klajdi Puka" userId="14444a1dce99cdc7" providerId="LiveId" clId="{F084BF42-7DC3-41AE-9EA0-D8DD7FD65F91}"/>
     <pc:docChg chg="undo redo custSel addSld delSld modSld sldOrd">
-      <pc:chgData name="Klajdi Puka" userId="14444a1dce99cdc7" providerId="LiveId" clId="{F084BF42-7DC3-41AE-9EA0-D8DD7FD65F91}" dt="2021-09-18T23:16:52.527" v="435"/>
+      <pc:chgData name="Klajdi Puka" userId="14444a1dce99cdc7" providerId="LiveId" clId="{F084BF42-7DC3-41AE-9EA0-D8DD7FD65F91}" dt="2021-09-18T23:26:54.421" v="536" actId="948"/>
       <pc:docMkLst>
         <pc:docMk/>
       </pc:docMkLst>
@@ -979,6 +980,69 @@
             <ac:picMk id="3" creationId="{57824D82-2BD5-47E8-A7EA-9673111C5888}"/>
           </ac:picMkLst>
         </pc:picChg>
+      </pc:sldChg>
+      <pc:sldChg chg="modSp add mod">
+        <pc:chgData name="Klajdi Puka" userId="14444a1dce99cdc7" providerId="LiveId" clId="{F084BF42-7DC3-41AE-9EA0-D8DD7FD65F91}" dt="2021-09-18T23:26:54.421" v="536" actId="948"/>
+        <pc:sldMkLst>
+          <pc:docMk/>
+          <pc:sldMk cId="1686614731" sldId="266"/>
+        </pc:sldMkLst>
+        <pc:spChg chg="mod">
+          <ac:chgData name="Klajdi Puka" userId="14444a1dce99cdc7" providerId="LiveId" clId="{F084BF42-7DC3-41AE-9EA0-D8DD7FD65F91}" dt="2021-09-18T23:26:54.421" v="536" actId="948"/>
+          <ac:spMkLst>
+            <pc:docMk/>
+            <pc:sldMk cId="1686614731" sldId="266"/>
+            <ac:spMk id="20" creationId="{B3EFB230-5AD4-49E9-8D66-492F047F1AF1}"/>
+          </ac:spMkLst>
+        </pc:spChg>
+        <pc:spChg chg="mod">
+          <ac:chgData name="Klajdi Puka" userId="14444a1dce99cdc7" providerId="LiveId" clId="{F084BF42-7DC3-41AE-9EA0-D8DD7FD65F91}" dt="2021-09-18T23:26:21.645" v="533" actId="1036"/>
+          <ac:spMkLst>
+            <pc:docMk/>
+            <pc:sldMk cId="1686614731" sldId="266"/>
+            <ac:spMk id="32" creationId="{6548180A-7821-4AFF-9ECB-F488F466B2E3}"/>
+          </ac:spMkLst>
+        </pc:spChg>
+        <pc:spChg chg="mod">
+          <ac:chgData name="Klajdi Puka" userId="14444a1dce99cdc7" providerId="LiveId" clId="{F084BF42-7DC3-41AE-9EA0-D8DD7FD65F91}" dt="2021-09-18T23:26:14.856" v="510" actId="14100"/>
+          <ac:spMkLst>
+            <pc:docMk/>
+            <pc:sldMk cId="1686614731" sldId="266"/>
+            <ac:spMk id="52" creationId="{0C128503-B6AD-422C-8DF8-9E142B85FBE2}"/>
+          </ac:spMkLst>
+        </pc:spChg>
+        <pc:spChg chg="mod">
+          <ac:chgData name="Klajdi Puka" userId="14444a1dce99cdc7" providerId="LiveId" clId="{F084BF42-7DC3-41AE-9EA0-D8DD7FD65F91}" dt="2021-09-18T23:26:14.856" v="510" actId="14100"/>
+          <ac:spMkLst>
+            <pc:docMk/>
+            <pc:sldMk cId="1686614731" sldId="266"/>
+            <ac:spMk id="53" creationId="{88090FB5-DB0F-43F3-9AF3-290CD4893DA0}"/>
+          </ac:spMkLst>
+        </pc:spChg>
+        <pc:spChg chg="mod">
+          <ac:chgData name="Klajdi Puka" userId="14444a1dce99cdc7" providerId="LiveId" clId="{F084BF42-7DC3-41AE-9EA0-D8DD7FD65F91}" dt="2021-09-18T23:24:34.846" v="495" actId="113"/>
+          <ac:spMkLst>
+            <pc:docMk/>
+            <pc:sldMk cId="1686614731" sldId="266"/>
+            <ac:spMk id="56" creationId="{BEFB0ABF-8367-4064-88C5-3A5C4224D3CA}"/>
+          </ac:spMkLst>
+        </pc:spChg>
+        <pc:spChg chg="mod">
+          <ac:chgData name="Klajdi Puka" userId="14444a1dce99cdc7" providerId="LiveId" clId="{F084BF42-7DC3-41AE-9EA0-D8DD7FD65F91}" dt="2021-09-18T23:26:21.645" v="533" actId="1036"/>
+          <ac:spMkLst>
+            <pc:docMk/>
+            <pc:sldMk cId="1686614731" sldId="266"/>
+            <ac:spMk id="63" creationId="{23515F2E-3044-4CF0-9DB2-D7CF94964075}"/>
+          </ac:spMkLst>
+        </pc:spChg>
+        <pc:grpChg chg="mod">
+          <ac:chgData name="Klajdi Puka" userId="14444a1dce99cdc7" providerId="LiveId" clId="{F084BF42-7DC3-41AE-9EA0-D8DD7FD65F91}" dt="2021-09-18T23:25:18.005" v="505" actId="1076"/>
+          <ac:grpSpMkLst>
+            <pc:docMk/>
+            <pc:sldMk cId="1686614731" sldId="266"/>
+            <ac:grpSpMk id="40" creationId="{728ECC0E-9A6B-4DFB-B514-DEDD6E19E371}"/>
+          </ac:grpSpMkLst>
+        </pc:grpChg>
       </pc:sldChg>
     </pc:docChg>
   </pc:docChgLst>
@@ -6490,6 +6554,717 @@
         <p:spPr>
           <a:xfrm>
             <a:off x="979263" y="534225"/>
+            <a:ext cx="4320000" cy="2747456"/>
+          </a:xfrm>
+          <a:prstGeom prst="rect">
+            <a:avLst/>
+          </a:prstGeom>
+          <a:noFill/>
+          <a:ln w="28575">
+            <a:solidFill>
+              <a:srgbClr val="FF0000"/>
+            </a:solidFill>
+          </a:ln>
+        </p:spPr>
+        <p:style>
+          <a:lnRef idx="2">
+            <a:schemeClr val="accent1">
+              <a:shade val="50000"/>
+            </a:schemeClr>
+          </a:lnRef>
+          <a:fillRef idx="1">
+            <a:schemeClr val="accent1"/>
+          </a:fillRef>
+          <a:effectRef idx="0">
+            <a:schemeClr val="accent1"/>
+          </a:effectRef>
+          <a:fontRef idx="minor">
+            <a:schemeClr val="lt1"/>
+          </a:fontRef>
+        </p:style>
+        <p:txBody>
+          <a:bodyPr rtlCol="0" anchor="ctr"/>
+          <a:lstStyle/>
+          <a:p>
+            <a:pPr algn="ctr"/>
+            <a:endParaRPr lang="en-CA"/>
+          </a:p>
+        </p:txBody>
+      </p:sp>
+      <p:sp>
+        <p:nvSpPr>
+          <p:cNvPr id="53" name="Rectangle 52">
+            <a:extLst>
+              <a:ext uri="{FF2B5EF4-FFF2-40B4-BE49-F238E27FC236}">
+                <a16:creationId xmlns:a16="http://schemas.microsoft.com/office/drawing/2014/main" id="{88090FB5-DB0F-43F3-9AF3-290CD4893DA0}"/>
+              </a:ext>
+            </a:extLst>
+          </p:cNvPr>
+          <p:cNvSpPr/>
+          <p:nvPr/>
+        </p:nvSpPr>
+        <p:spPr>
+          <a:xfrm>
+            <a:off x="5500500" y="534224"/>
+            <a:ext cx="4320000" cy="2747456"/>
+          </a:xfrm>
+          <a:prstGeom prst="rect">
+            <a:avLst/>
+          </a:prstGeom>
+          <a:noFill/>
+          <a:ln w="28575">
+            <a:solidFill>
+              <a:srgbClr val="00B050"/>
+            </a:solidFill>
+          </a:ln>
+        </p:spPr>
+        <p:style>
+          <a:lnRef idx="2">
+            <a:schemeClr val="accent1">
+              <a:shade val="50000"/>
+            </a:schemeClr>
+          </a:lnRef>
+          <a:fillRef idx="1">
+            <a:schemeClr val="accent1"/>
+          </a:fillRef>
+          <a:effectRef idx="0">
+            <a:schemeClr val="accent1"/>
+          </a:effectRef>
+          <a:fontRef idx="minor">
+            <a:schemeClr val="lt1"/>
+          </a:fontRef>
+        </p:style>
+        <p:txBody>
+          <a:bodyPr rtlCol="0" anchor="ctr"/>
+          <a:lstStyle/>
+          <a:p>
+            <a:pPr algn="ctr"/>
+            <a:endParaRPr lang="en-CA"/>
+          </a:p>
+        </p:txBody>
+      </p:sp>
+      <p:sp>
+        <p:nvSpPr>
+          <p:cNvPr id="54" name="TextBox 53">
+            <a:extLst>
+              <a:ext uri="{FF2B5EF4-FFF2-40B4-BE49-F238E27FC236}">
+                <a16:creationId xmlns:a16="http://schemas.microsoft.com/office/drawing/2014/main" id="{D1675A24-E920-4DE5-ABD5-510F9652F8A2}"/>
+              </a:ext>
+            </a:extLst>
+          </p:cNvPr>
+          <p:cNvSpPr txBox="1"/>
+          <p:nvPr/>
+        </p:nvSpPr>
+        <p:spPr>
+          <a:xfrm>
+            <a:off x="903736" y="135214"/>
+            <a:ext cx="3940235" cy="369332"/>
+          </a:xfrm>
+          <a:prstGeom prst="rect">
+            <a:avLst/>
+          </a:prstGeom>
+          <a:noFill/>
+        </p:spPr>
+        <p:txBody>
+          <a:bodyPr wrap="square" rtlCol="0">
+            <a:spAutoFit/>
+          </a:bodyPr>
+          <a:lstStyle/>
+          <a:p>
+            <a:r>
+              <a:rPr lang="en-CA" dirty="0"/>
+              <a:t>A Poor Example:</a:t>
+            </a:r>
+          </a:p>
+        </p:txBody>
+      </p:sp>
+      <p:sp>
+        <p:nvSpPr>
+          <p:cNvPr id="55" name="TextBox 54">
+            <a:extLst>
+              <a:ext uri="{FF2B5EF4-FFF2-40B4-BE49-F238E27FC236}">
+                <a16:creationId xmlns:a16="http://schemas.microsoft.com/office/drawing/2014/main" id="{967D7174-2C6E-4572-BD42-76EC0FCC2AD7}"/>
+              </a:ext>
+            </a:extLst>
+          </p:cNvPr>
+          <p:cNvSpPr txBox="1"/>
+          <p:nvPr/>
+        </p:nvSpPr>
+        <p:spPr>
+          <a:xfrm>
+            <a:off x="5500500" y="168322"/>
+            <a:ext cx="3940235" cy="369332"/>
+          </a:xfrm>
+          <a:prstGeom prst="rect">
+            <a:avLst/>
+          </a:prstGeom>
+          <a:noFill/>
+        </p:spPr>
+        <p:txBody>
+          <a:bodyPr wrap="square" rtlCol="0">
+            <a:spAutoFit/>
+          </a:bodyPr>
+          <a:lstStyle/>
+          <a:p>
+            <a:r>
+              <a:rPr lang="en-CA" dirty="0"/>
+              <a:t>A Better Example:</a:t>
+            </a:r>
+          </a:p>
+        </p:txBody>
+      </p:sp>
+      <p:sp>
+        <p:nvSpPr>
+          <p:cNvPr id="56" name="TextBox 55">
+            <a:extLst>
+              <a:ext uri="{FF2B5EF4-FFF2-40B4-BE49-F238E27FC236}">
+                <a16:creationId xmlns:a16="http://schemas.microsoft.com/office/drawing/2014/main" id="{BEFB0ABF-8367-4064-88C5-3A5C4224D3CA}"/>
+              </a:ext>
+            </a:extLst>
+          </p:cNvPr>
+          <p:cNvSpPr txBox="1"/>
+          <p:nvPr/>
+        </p:nvSpPr>
+        <p:spPr>
+          <a:xfrm>
+            <a:off x="1114683" y="648525"/>
+            <a:ext cx="3903763" cy="2462213"/>
+          </a:xfrm>
+          <a:prstGeom prst="rect">
+            <a:avLst/>
+          </a:prstGeom>
+          <a:noFill/>
+        </p:spPr>
+        <p:txBody>
+          <a:bodyPr wrap="square">
+            <a:spAutoFit/>
+          </a:bodyPr>
+          <a:lstStyle/>
+          <a:p>
+            <a:r>
+              <a:rPr lang="en-US" sz="1400" dirty="0"/>
+              <a:t>4. How many people were living or staying at this residence on Saturday March 3</a:t>
+            </a:r>
+            <a:r>
+              <a:rPr lang="en-US" sz="1400" baseline="30000" dirty="0"/>
+              <a:t>rd</a:t>
+            </a:r>
+            <a:r>
+              <a:rPr lang="en-US" sz="1400" dirty="0"/>
+              <a:t>, 2000? To make sure each person in the United States is counted only once, it is very important to: </a:t>
+            </a:r>
+            <a:r>
+              <a:rPr lang="en-US" sz="1400" b="1" dirty="0">
+                <a:sym typeface="Wingdings 2"/>
+              </a:rPr>
+              <a:t>Include </a:t>
+            </a:r>
+            <a:r>
+              <a:rPr lang="en-US" sz="1400" dirty="0">
+                <a:sym typeface="Wingdings 2"/>
+              </a:rPr>
+              <a:t>everyone who lives here whether related to you or not, and anyone staying temporarily who  has no permanent place to live; </a:t>
+            </a:r>
+            <a:r>
+              <a:rPr lang="en-US" sz="1400" b="1" dirty="0">
+                <a:sym typeface="Wingdings 2"/>
+              </a:rPr>
+              <a:t>But do not include </a:t>
+            </a:r>
+            <a:r>
+              <a:rPr lang="en-US" sz="1400" dirty="0">
+                <a:sym typeface="Wingdings 2"/>
+              </a:rPr>
+              <a:t>anyone away at college, away in the Armed Forces, in a nursing home, hospice, mental hospital, correctional facility, or other institution. </a:t>
+            </a:r>
+          </a:p>
+          <a:p>
+            <a:r>
+              <a:rPr lang="en-US" sz="1400" dirty="0">
+                <a:sym typeface="Wingdings 2"/>
+              </a:rPr>
+              <a:t>______________________________</a:t>
+            </a:r>
+          </a:p>
+        </p:txBody>
+      </p:sp>
+      <p:sp>
+        <p:nvSpPr>
+          <p:cNvPr id="63" name="TextBox 62">
+            <a:extLst>
+              <a:ext uri="{FF2B5EF4-FFF2-40B4-BE49-F238E27FC236}">
+                <a16:creationId xmlns:a16="http://schemas.microsoft.com/office/drawing/2014/main" id="{23515F2E-3044-4CF0-9DB2-D7CF94964075}"/>
+              </a:ext>
+            </a:extLst>
+          </p:cNvPr>
+          <p:cNvSpPr txBox="1"/>
+          <p:nvPr/>
+        </p:nvSpPr>
+        <p:spPr>
+          <a:xfrm>
+            <a:off x="2883685" y="3380987"/>
+            <a:ext cx="6297306" cy="561692"/>
+          </a:xfrm>
+          <a:prstGeom prst="rect">
+            <a:avLst/>
+          </a:prstGeom>
+          <a:noFill/>
+        </p:spPr>
+        <p:txBody>
+          <a:bodyPr wrap="square">
+            <a:spAutoFit/>
+          </a:bodyPr>
+          <a:lstStyle/>
+          <a:p>
+            <a:pPr marL="285750" indent="-285750">
+              <a:spcAft>
+                <a:spcPts val="300"/>
+              </a:spcAft>
+              <a:buFont typeface="Wingdings" pitchFamily="2" charset="2"/>
+              <a:buChar char="ü"/>
+            </a:pPr>
+            <a:r>
+              <a:rPr lang="en-US" sz="1400" dirty="0"/>
+              <a:t>Use as few words as possible to pose the question</a:t>
+            </a:r>
+          </a:p>
+          <a:p>
+            <a:pPr marL="285750" indent="-285750">
+              <a:spcAft>
+                <a:spcPts val="300"/>
+              </a:spcAft>
+              <a:buFont typeface="Wingdings" pitchFamily="2" charset="2"/>
+              <a:buChar char="ü"/>
+            </a:pPr>
+            <a:r>
+              <a:rPr lang="en-US" sz="1400" dirty="0"/>
+              <a:t>Eliminating wordy and redundant expressions</a:t>
+            </a:r>
+          </a:p>
+        </p:txBody>
+      </p:sp>
+      <p:sp>
+        <p:nvSpPr>
+          <p:cNvPr id="20" name="TextBox 19">
+            <a:extLst>
+              <a:ext uri="{FF2B5EF4-FFF2-40B4-BE49-F238E27FC236}">
+                <a16:creationId xmlns:a16="http://schemas.microsoft.com/office/drawing/2014/main" id="{B3EFB230-5AD4-49E9-8D66-492F047F1AF1}"/>
+              </a:ext>
+            </a:extLst>
+          </p:cNvPr>
+          <p:cNvSpPr txBox="1"/>
+          <p:nvPr/>
+        </p:nvSpPr>
+        <p:spPr>
+          <a:xfrm>
+            <a:off x="5536972" y="648525"/>
+            <a:ext cx="4283528" cy="2744341"/>
+          </a:xfrm>
+          <a:prstGeom prst="rect">
+            <a:avLst/>
+          </a:prstGeom>
+          <a:noFill/>
+        </p:spPr>
+        <p:txBody>
+          <a:bodyPr wrap="square">
+            <a:spAutoFit/>
+          </a:bodyPr>
+          <a:lstStyle/>
+          <a:p>
+            <a:pPr>
+              <a:spcAft>
+                <a:spcPts val="600"/>
+              </a:spcAft>
+            </a:pPr>
+            <a:r>
+              <a:rPr lang="en-US" sz="1400" dirty="0"/>
+              <a:t>4. How many people were living or staying at this residence on Saturday March 3</a:t>
+            </a:r>
+            <a:r>
+              <a:rPr lang="en-US" sz="1400" baseline="30000" dirty="0"/>
+              <a:t>rd</a:t>
+            </a:r>
+            <a:r>
+              <a:rPr lang="en-US" sz="1400" dirty="0"/>
+              <a:t>, 2000? </a:t>
+            </a:r>
+          </a:p>
+          <a:p>
+            <a:pPr marL="461963"/>
+            <a:r>
+              <a:rPr lang="en-US" sz="1400" b="1" dirty="0">
+                <a:sym typeface="Wingdings 2"/>
+              </a:rPr>
+              <a:t>Include </a:t>
+            </a:r>
+            <a:r>
+              <a:rPr lang="en-US" sz="1400" dirty="0">
+                <a:sym typeface="Wingdings 2"/>
+              </a:rPr>
+              <a:t>everyone who lives here whether related to you or not, and anyone staying temporarily who has no permanent place to live;</a:t>
+            </a:r>
+          </a:p>
+          <a:p>
+            <a:pPr marL="461963"/>
+            <a:r>
+              <a:rPr lang="en-US" sz="1400" b="1" dirty="0">
+                <a:sym typeface="Wingdings 2"/>
+              </a:rPr>
+              <a:t>But do not include </a:t>
+            </a:r>
+            <a:r>
+              <a:rPr lang="en-US" sz="1400" dirty="0">
+                <a:sym typeface="Wingdings 2"/>
+              </a:rPr>
+              <a:t>anyone away at college, </a:t>
+            </a:r>
+          </a:p>
+          <a:p>
+            <a:pPr marL="461963"/>
+            <a:r>
+              <a:rPr lang="en-US" sz="1400" dirty="0">
+                <a:sym typeface="Wingdings 2"/>
+              </a:rPr>
+              <a:t>away in the Armed Forces, in a nursing home, </a:t>
+            </a:r>
+          </a:p>
+          <a:p>
+            <a:pPr marL="461963"/>
+            <a:r>
+              <a:rPr lang="en-US" sz="1400" dirty="0">
+                <a:sym typeface="Wingdings 2"/>
+              </a:rPr>
+              <a:t>hospice, mental hospital, correctional facility, </a:t>
+            </a:r>
+          </a:p>
+          <a:p>
+            <a:pPr marL="461963">
+              <a:spcAft>
+                <a:spcPts val="1000"/>
+              </a:spcAft>
+            </a:pPr>
+            <a:r>
+              <a:rPr lang="en-US" sz="1400" dirty="0">
+                <a:sym typeface="Wingdings 2"/>
+              </a:rPr>
+              <a:t>or other institution. </a:t>
+            </a:r>
+          </a:p>
+          <a:p>
+            <a:pPr>
+              <a:spcAft>
+                <a:spcPts val="600"/>
+              </a:spcAft>
+            </a:pPr>
+            <a:r>
+              <a:rPr lang="en-US" sz="1400" dirty="0"/>
+              <a:t>                                Number people at residence</a:t>
+            </a:r>
+          </a:p>
+          <a:p>
+            <a:pPr>
+              <a:spcAft>
+                <a:spcPts val="600"/>
+              </a:spcAft>
+            </a:pPr>
+            <a:endParaRPr lang="en-US" sz="1400" dirty="0"/>
+          </a:p>
+        </p:txBody>
+      </p:sp>
+      <p:sp>
+        <p:nvSpPr>
+          <p:cNvPr id="32" name="TextBox 31">
+            <a:extLst>
+              <a:ext uri="{FF2B5EF4-FFF2-40B4-BE49-F238E27FC236}">
+                <a16:creationId xmlns:a16="http://schemas.microsoft.com/office/drawing/2014/main" id="{6548180A-7821-4AFF-9ECB-F488F466B2E3}"/>
+              </a:ext>
+            </a:extLst>
+          </p:cNvPr>
+          <p:cNvSpPr txBox="1"/>
+          <p:nvPr/>
+        </p:nvSpPr>
+        <p:spPr>
+          <a:xfrm>
+            <a:off x="1763103" y="3394770"/>
+            <a:ext cx="1090430" cy="307777"/>
+          </a:xfrm>
+          <a:prstGeom prst="rect">
+            <a:avLst/>
+          </a:prstGeom>
+          <a:noFill/>
+        </p:spPr>
+        <p:txBody>
+          <a:bodyPr wrap="square">
+            <a:spAutoFit/>
+          </a:bodyPr>
+          <a:lstStyle/>
+          <a:p>
+            <a:pPr>
+              <a:spcAft>
+                <a:spcPts val="300"/>
+              </a:spcAft>
+            </a:pPr>
+            <a:r>
+              <a:rPr lang="en-US" sz="1400" dirty="0"/>
+              <a:t>Key points:</a:t>
+            </a:r>
+          </a:p>
+        </p:txBody>
+      </p:sp>
+      <p:grpSp>
+        <p:nvGrpSpPr>
+          <p:cNvPr id="40" name="Group 39">
+            <a:extLst>
+              <a:ext uri="{FF2B5EF4-FFF2-40B4-BE49-F238E27FC236}">
+                <a16:creationId xmlns:a16="http://schemas.microsoft.com/office/drawing/2014/main" id="{728ECC0E-9A6B-4DFB-B514-DEDD6E19E371}"/>
+              </a:ext>
+            </a:extLst>
+          </p:cNvPr>
+          <p:cNvGrpSpPr/>
+          <p:nvPr/>
+        </p:nvGrpSpPr>
+        <p:grpSpPr>
+          <a:xfrm>
+            <a:off x="6517614" y="2799707"/>
+            <a:ext cx="342771" cy="234424"/>
+            <a:chOff x="5885074" y="1570271"/>
+            <a:chExt cx="544695" cy="372521"/>
+          </a:xfrm>
+        </p:grpSpPr>
+        <p:sp>
+          <p:nvSpPr>
+            <p:cNvPr id="41" name="Rounded Rectangle 3">
+              <a:extLst>
+                <a:ext uri="{FF2B5EF4-FFF2-40B4-BE49-F238E27FC236}">
+                  <a16:creationId xmlns:a16="http://schemas.microsoft.com/office/drawing/2014/main" id="{28253B1C-C3C9-48F4-AEDD-BAEB9BC136AA}"/>
+                </a:ext>
+              </a:extLst>
+            </p:cNvPr>
+            <p:cNvSpPr/>
+            <p:nvPr/>
+          </p:nvSpPr>
+          <p:spPr>
+            <a:xfrm>
+              <a:off x="5885074" y="1573246"/>
+              <a:ext cx="274320" cy="369546"/>
+            </a:xfrm>
+            <a:prstGeom prst="roundRect">
+              <a:avLst/>
+            </a:prstGeom>
+            <a:noFill/>
+            <a:ln>
+              <a:solidFill>
+                <a:schemeClr val="tx1"/>
+              </a:solidFill>
+            </a:ln>
+            <a:effectLst/>
+          </p:spPr>
+          <p:style>
+            <a:lnRef idx="1">
+              <a:schemeClr val="accent1"/>
+            </a:lnRef>
+            <a:fillRef idx="3">
+              <a:schemeClr val="accent1"/>
+            </a:fillRef>
+            <a:effectRef idx="2">
+              <a:schemeClr val="accent1"/>
+            </a:effectRef>
+            <a:fontRef idx="minor">
+              <a:schemeClr val="lt1"/>
+            </a:fontRef>
+          </p:style>
+          <p:txBody>
+            <a:bodyPr rtlCol="0" anchor="ctr"/>
+            <a:lstStyle/>
+            <a:p>
+              <a:pPr algn="ctr"/>
+              <a:endParaRPr lang="en-US"/>
+            </a:p>
+          </p:txBody>
+        </p:sp>
+        <p:sp>
+          <p:nvSpPr>
+            <p:cNvPr id="42" name="Rounded Rectangle 11">
+              <a:extLst>
+                <a:ext uri="{FF2B5EF4-FFF2-40B4-BE49-F238E27FC236}">
+                  <a16:creationId xmlns:a16="http://schemas.microsoft.com/office/drawing/2014/main" id="{A38BDD40-7246-42B3-B79B-4B5A312953A2}"/>
+                </a:ext>
+              </a:extLst>
+            </p:cNvPr>
+            <p:cNvSpPr/>
+            <p:nvPr/>
+          </p:nvSpPr>
+          <p:spPr>
+            <a:xfrm>
+              <a:off x="6155449" y="1570271"/>
+              <a:ext cx="274320" cy="369546"/>
+            </a:xfrm>
+            <a:prstGeom prst="roundRect">
+              <a:avLst/>
+            </a:prstGeom>
+            <a:noFill/>
+            <a:ln>
+              <a:solidFill>
+                <a:schemeClr val="tx1"/>
+              </a:solidFill>
+            </a:ln>
+            <a:effectLst/>
+          </p:spPr>
+          <p:style>
+            <a:lnRef idx="1">
+              <a:schemeClr val="accent1"/>
+            </a:lnRef>
+            <a:fillRef idx="3">
+              <a:schemeClr val="accent1"/>
+            </a:fillRef>
+            <a:effectRef idx="2">
+              <a:schemeClr val="accent1"/>
+            </a:effectRef>
+            <a:fontRef idx="minor">
+              <a:schemeClr val="lt1"/>
+            </a:fontRef>
+          </p:style>
+          <p:txBody>
+            <a:bodyPr rtlCol="0" anchor="ctr"/>
+            <a:lstStyle/>
+            <a:p>
+              <a:pPr algn="ctr"/>
+              <a:endParaRPr lang="en-US"/>
+            </a:p>
+          </p:txBody>
+        </p:sp>
+      </p:grpSp>
+    </p:spTree>
+    <p:extLst>
+      <p:ext uri="{BB962C8B-B14F-4D97-AF65-F5344CB8AC3E}">
+        <p14:creationId xmlns:p14="http://schemas.microsoft.com/office/powerpoint/2010/main" val="1686614731"/>
+      </p:ext>
+    </p:extLst>
+  </p:cSld>
+  <p:clrMapOvr>
+    <a:masterClrMapping/>
+  </p:clrMapOvr>
+  <p:timing>
+    <p:tnLst>
+      <p:par>
+        <p:cTn id="1" dur="indefinite" restart="never" nodeType="tmRoot">
+          <p:childTnLst>
+            <p:seq concurrent="1" nextAc="seek">
+              <p:cTn id="2" dur="indefinite" nodeType="mainSeq">
+                <p:childTnLst>
+                  <p:par>
+                    <p:cTn id="3" fill="hold">
+                      <p:stCondLst>
+                        <p:cond delay="indefinite"/>
+                        <p:cond evt="onBegin" delay="0">
+                          <p:tn val="2"/>
+                        </p:cond>
+                      </p:stCondLst>
+                      <p:childTnLst>
+                        <p:par>
+                          <p:cTn id="4" fill="hold">
+                            <p:stCondLst>
+                              <p:cond delay="0"/>
+                            </p:stCondLst>
+                            <p:childTnLst>
+                              <p:par>
+                                <p:cTn id="5" presetID="10" presetClass="entr" presetSubtype="0" fill="hold" nodeType="withEffect">
+                                  <p:stCondLst>
+                                    <p:cond delay="0"/>
+                                  </p:stCondLst>
+                                  <p:childTnLst>
+                                    <p:set>
+                                      <p:cBhvr>
+                                        <p:cTn id="6" dur="1" fill="hold">
+                                          <p:stCondLst>
+                                            <p:cond delay="0"/>
+                                          </p:stCondLst>
+                                        </p:cTn>
+                                        <p:tgtEl>
+                                          <p:spTgt spid="40"/>
+                                        </p:tgtEl>
+                                        <p:attrNameLst>
+                                          <p:attrName>style.visibility</p:attrName>
+                                        </p:attrNameLst>
+                                      </p:cBhvr>
+                                      <p:to>
+                                        <p:strVal val="visible"/>
+                                      </p:to>
+                                    </p:set>
+                                    <p:animEffect transition="in" filter="fade">
+                                      <p:cBhvr>
+                                        <p:cTn id="7" dur="500"/>
+                                        <p:tgtEl>
+                                          <p:spTgt spid="40"/>
+                                        </p:tgtEl>
+                                      </p:cBhvr>
+                                    </p:animEffect>
+                                  </p:childTnLst>
+                                </p:cTn>
+                              </p:par>
+                            </p:childTnLst>
+                          </p:cTn>
+                        </p:par>
+                      </p:childTnLst>
+                    </p:cTn>
+                  </p:par>
+                </p:childTnLst>
+              </p:cTn>
+              <p:prevCondLst>
+                <p:cond evt="onPrev" delay="0">
+                  <p:tgtEl>
+                    <p:sldTgt/>
+                  </p:tgtEl>
+                </p:cond>
+              </p:prevCondLst>
+              <p:nextCondLst>
+                <p:cond evt="onNext" delay="0">
+                  <p:tgtEl>
+                    <p:sldTgt/>
+                  </p:tgtEl>
+                </p:cond>
+              </p:nextCondLst>
+            </p:seq>
+          </p:childTnLst>
+        </p:cTn>
+      </p:par>
+    </p:tnLst>
+  </p:timing>
+</p:sld>
+</file>
+
+<file path=ppt/slides/slide5.xml><?xml version="1.0" encoding="utf-8"?>
+<p:sld xmlns:a="http://schemas.openxmlformats.org/drawingml/2006/main" xmlns:r="http://schemas.openxmlformats.org/officeDocument/2006/relationships" xmlns:p="http://schemas.openxmlformats.org/presentationml/2006/main">
+  <p:cSld>
+    <p:spTree>
+      <p:nvGrpSpPr>
+        <p:cNvPr id="1" name=""/>
+        <p:cNvGrpSpPr/>
+        <p:nvPr/>
+      </p:nvGrpSpPr>
+      <p:grpSpPr>
+        <a:xfrm>
+          <a:off x="0" y="0"/>
+          <a:ext cx="0" cy="0"/>
+          <a:chOff x="0" y="0"/>
+          <a:chExt cx="0" cy="0"/>
+        </a:xfrm>
+      </p:grpSpPr>
+      <p:sp>
+        <p:nvSpPr>
+          <p:cNvPr id="52" name="Rectangle 51">
+            <a:extLst>
+              <a:ext uri="{FF2B5EF4-FFF2-40B4-BE49-F238E27FC236}">
+                <a16:creationId xmlns:a16="http://schemas.microsoft.com/office/drawing/2014/main" id="{0C128503-B6AD-422C-8DF8-9E142B85FBE2}"/>
+              </a:ext>
+            </a:extLst>
+          </p:cNvPr>
+          <p:cNvSpPr/>
+          <p:nvPr/>
+        </p:nvSpPr>
+        <p:spPr>
+          <a:xfrm>
+            <a:off x="979263" y="534225"/>
             <a:ext cx="4320000" cy="3065432"/>
           </a:xfrm>
           <a:prstGeom prst="rect">
@@ -7116,7 +7891,7 @@
 </p:sld>
 </file>
 
-<file path=ppt/slides/slide5.xml><?xml version="1.0" encoding="utf-8"?>
+<file path=ppt/slides/slide6.xml><?xml version="1.0" encoding="utf-8"?>
 <p:sld xmlns:a="http://schemas.openxmlformats.org/drawingml/2006/main" xmlns:r="http://schemas.openxmlformats.org/officeDocument/2006/relationships" xmlns:p="http://schemas.openxmlformats.org/presentationml/2006/main">
   <p:cSld>
     <p:spTree>
@@ -7537,7 +8312,7 @@
 </p:sld>
 </file>
 
-<file path=ppt/slides/slide6.xml><?xml version="1.0" encoding="utf-8"?>
+<file path=ppt/slides/slide7.xml><?xml version="1.0" encoding="utf-8"?>
 <p:sld xmlns:a="http://schemas.openxmlformats.org/drawingml/2006/main" xmlns:r="http://schemas.openxmlformats.org/officeDocument/2006/relationships" xmlns:p="http://schemas.openxmlformats.org/presentationml/2006/main">
   <p:cSld>
     <p:spTree>
@@ -8382,7 +9157,7 @@
 </p:sld>
 </file>
 
-<file path=ppt/slides/slide7.xml><?xml version="1.0" encoding="utf-8"?>
+<file path=ppt/slides/slide8.xml><?xml version="1.0" encoding="utf-8"?>
 <p:sld xmlns:a="http://schemas.openxmlformats.org/drawingml/2006/main" xmlns:r="http://schemas.openxmlformats.org/officeDocument/2006/relationships" xmlns:p="http://schemas.openxmlformats.org/presentationml/2006/main">
   <p:cSld>
     <p:spTree>
